--- a/logmrgr002.pptx
+++ b/logmrgr002.pptx
@@ -3904,6 +3904,42 @@
           </a:prstGeom>
         </p:spPr>
       </p:pic>
+      <p:pic>
+        <p:nvPicPr>
+          <p:cNvPr id="6" name="Рисунок 5">
+            <a:extLst>
+              <a:ext uri="{FF2B5EF4-FFF2-40B4-BE49-F238E27FC236}">
+                <a16:creationId xmlns:a16="http://schemas.microsoft.com/office/drawing/2014/main" id="{4F1DF99F-E9A0-4179-B9FB-B5FD9765A302}"/>
+              </a:ext>
+            </a:extLst>
+          </p:cNvPr>
+          <p:cNvPicPr>
+            <a:picLocks noChangeAspect="1"/>
+          </p:cNvPicPr>
+          <p:nvPr/>
+        </p:nvPicPr>
+        <p:blipFill>
+          <a:blip r:embed="rId3">
+            <a:extLst>
+              <a:ext uri="{28A0092B-C50C-407E-A947-70E740481C1C}">
+                <a14:useLocalDpi xmlns:a14="http://schemas.microsoft.com/office/drawing/2010/main" val="0"/>
+              </a:ext>
+            </a:extLst>
+          </a:blip>
+          <a:stretch>
+            <a:fillRect/>
+          </a:stretch>
+        </p:blipFill>
+        <p:spPr>
+          <a:xfrm>
+            <a:off x="1789495" y="2516536"/>
+            <a:ext cx="522062" cy="522062"/>
+          </a:xfrm>
+          <a:prstGeom prst="rect">
+            <a:avLst/>
+          </a:prstGeom>
+        </p:spPr>
+      </p:pic>
     </p:spTree>
     <p:extLst>
       <p:ext uri="{BB962C8B-B14F-4D97-AF65-F5344CB8AC3E}">
@@ -4052,6 +4088,42 @@
           <a:xfrm>
             <a:off x="816746" y="1586031"/>
             <a:ext cx="6474662" cy="3859349"/>
+          </a:xfrm>
+          <a:prstGeom prst="rect">
+            <a:avLst/>
+          </a:prstGeom>
+        </p:spPr>
+      </p:pic>
+      <p:pic>
+        <p:nvPicPr>
+          <p:cNvPr id="5" name="Рисунок 4">
+            <a:extLst>
+              <a:ext uri="{FF2B5EF4-FFF2-40B4-BE49-F238E27FC236}">
+                <a16:creationId xmlns:a16="http://schemas.microsoft.com/office/drawing/2014/main" id="{C055CC74-8D42-4FF1-97B6-A0EB2A239AED}"/>
+              </a:ext>
+            </a:extLst>
+          </p:cNvPr>
+          <p:cNvPicPr>
+            <a:picLocks noChangeAspect="1"/>
+          </p:cNvPicPr>
+          <p:nvPr/>
+        </p:nvPicPr>
+        <p:blipFill>
+          <a:blip r:embed="rId3">
+            <a:extLst>
+              <a:ext uri="{28A0092B-C50C-407E-A947-70E740481C1C}">
+                <a14:useLocalDpi xmlns:a14="http://schemas.microsoft.com/office/drawing/2010/main" val="0"/>
+              </a:ext>
+            </a:extLst>
+          </a:blip>
+          <a:stretch>
+            <a:fillRect/>
+          </a:stretch>
+        </p:blipFill>
+        <p:spPr>
+          <a:xfrm>
+            <a:off x="2594906" y="3312749"/>
+            <a:ext cx="742911" cy="636988"/>
           </a:xfrm>
           <a:prstGeom prst="rect">
             <a:avLst/>
@@ -4178,10 +4250,10 @@
       </p:sp>
       <p:pic>
         <p:nvPicPr>
-          <p:cNvPr id="12" name="Рисунок 11">
-            <a:extLst>
-              <a:ext uri="{FF2B5EF4-FFF2-40B4-BE49-F238E27FC236}">
-                <a16:creationId xmlns:a16="http://schemas.microsoft.com/office/drawing/2014/main" id="{0DFC1184-F45E-4BF0-BC8F-67FB2F1D2509}"/>
+          <p:cNvPr id="14" name="Рисунок 13">
+            <a:extLst>
+              <a:ext uri="{FF2B5EF4-FFF2-40B4-BE49-F238E27FC236}">
+                <a16:creationId xmlns:a16="http://schemas.microsoft.com/office/drawing/2014/main" id="{707E431A-8279-4816-8EC3-BCCADBA90D12}"/>
               </a:ext>
             </a:extLst>
           </p:cNvPr>
@@ -4204,8 +4276,8 @@
         </p:blipFill>
         <p:spPr>
           <a:xfrm>
-            <a:off x="1240384" y="441405"/>
-            <a:ext cx="5949127" cy="2457399"/>
+            <a:off x="1031545" y="1549502"/>
+            <a:ext cx="6128270" cy="4163482"/>
           </a:xfrm>
           <a:prstGeom prst="rect">
             <a:avLst/>
@@ -4214,10 +4286,10 @@
       </p:pic>
       <p:pic>
         <p:nvPicPr>
-          <p:cNvPr id="14" name="Рисунок 13">
-            <a:extLst>
-              <a:ext uri="{FF2B5EF4-FFF2-40B4-BE49-F238E27FC236}">
-                <a16:creationId xmlns:a16="http://schemas.microsoft.com/office/drawing/2014/main" id="{707E431A-8279-4816-8EC3-BCCADBA90D12}"/>
+          <p:cNvPr id="5" name="Рисунок 4">
+            <a:extLst>
+              <a:ext uri="{FF2B5EF4-FFF2-40B4-BE49-F238E27FC236}">
+                <a16:creationId xmlns:a16="http://schemas.microsoft.com/office/drawing/2014/main" id="{CBB68A4E-C3EF-4446-B5FA-FD0151A68D13}"/>
               </a:ext>
             </a:extLst>
           </p:cNvPr>
@@ -4239,9 +4311,9 @@
           </a:stretch>
         </p:blipFill>
         <p:spPr>
-          <a:xfrm>
-            <a:off x="2126600" y="3340209"/>
-            <a:ext cx="4176696" cy="2837603"/>
+          <a:xfrm flipH="1">
+            <a:off x="1531518" y="4197291"/>
+            <a:ext cx="720191" cy="734008"/>
           </a:xfrm>
           <a:prstGeom prst="rect">
             <a:avLst/>

--- a/logmrgr002.pptx
+++ b/logmrgr002.pptx
@@ -4630,7 +4630,7 @@
         </p:nvSpPr>
         <p:spPr>
           <a:xfrm>
-            <a:off x="1455914" y="2699279"/>
+            <a:off x="1455912" y="2013210"/>
             <a:ext cx="9280167" cy="729721"/>
           </a:xfrm>
         </p:spPr>
@@ -4676,7 +4676,7 @@
         </p:nvSpPr>
         <p:spPr>
           <a:xfrm>
-            <a:off x="2287582" y="1267619"/>
+            <a:off x="2287582" y="906570"/>
             <a:ext cx="7616829" cy="975359"/>
           </a:xfrm>
           <a:prstGeom prst="rect">
@@ -4893,8 +4893,47 @@
         </p:blipFill>
         <p:spPr>
           <a:xfrm>
-            <a:off x="5283297" y="4275283"/>
+            <a:off x="4986117" y="2788499"/>
             <a:ext cx="1625397" cy="1625397"/>
+          </a:xfrm>
+          <a:prstGeom prst="rect">
+            <a:avLst/>
+          </a:prstGeom>
+        </p:spPr>
+      </p:pic>
+      <p:pic>
+        <p:nvPicPr>
+          <p:cNvPr id="5" name="Рисунок 4">
+            <a:extLst>
+              <a:ext uri="{FF2B5EF4-FFF2-40B4-BE49-F238E27FC236}">
+                <a16:creationId xmlns:a16="http://schemas.microsoft.com/office/drawing/2014/main" id="{F3DB28E2-3556-4433-9786-1E547A200AD3}"/>
+              </a:ext>
+            </a:extLst>
+          </p:cNvPr>
+          <p:cNvPicPr>
+            <a:picLocks noChangeAspect="1"/>
+          </p:cNvPicPr>
+          <p:nvPr/>
+        </p:nvPicPr>
+        <p:blipFill>
+          <a:blip r:embed="rId3">
+            <a:extLst>
+              <a:ext uri="{28A0092B-C50C-407E-A947-70E740481C1C}">
+                <a14:useLocalDpi xmlns:a14="http://schemas.microsoft.com/office/drawing/2010/main" val="0"/>
+              </a:ext>
+              <a:ext uri="{96DAC541-7B7A-43D3-8B79-37D633B846F1}">
+                <asvg:svgBlip xmlns:asvg="http://schemas.microsoft.com/office/drawing/2016/SVG/main" r:embed="rId4"/>
+              </a:ext>
+            </a:extLst>
+          </a:blip>
+          <a:stretch>
+            <a:fillRect/>
+          </a:stretch>
+        </p:blipFill>
+        <p:spPr>
+          <a:xfrm>
+            <a:off x="4986117" y="4328153"/>
+            <a:ext cx="1625396" cy="1896037"/>
           </a:xfrm>
           <a:prstGeom prst="rect">
             <a:avLst/>
